--- a/Final Project Presentation.pptx
+++ b/Final Project Presentation.pptx
@@ -204,7 +204,7 @@
           <a:p>
             <a:fld id="{762C29E1-DEB7-4027-869B-C119040B2166}" type="datetimeFigureOut">
               <a:rPr lang="en-US" smtClean="0"/>
-              <a:t>8/1/2025</a:t>
+              <a:t>8/6/2025</a:t>
             </a:fld>
             <a:endParaRPr lang="en-US"/>
           </a:p>
@@ -268,38 +268,37 @@
           <a:p>
             <a:pPr lvl="0"/>
             <a:r>
-              <a:rPr lang="en-US" smtClean="0"/>
+              <a:rPr lang="en-US"/>
               <a:t>Click to edit Master text styles</a:t>
             </a:r>
           </a:p>
           <a:p>
             <a:pPr lvl="1"/>
             <a:r>
-              <a:rPr lang="en-US" smtClean="0"/>
+              <a:rPr lang="en-US"/>
               <a:t>Second level</a:t>
             </a:r>
           </a:p>
           <a:p>
             <a:pPr lvl="2"/>
             <a:r>
-              <a:rPr lang="en-US" smtClean="0"/>
+              <a:rPr lang="en-US"/>
               <a:t>Third level</a:t>
             </a:r>
           </a:p>
           <a:p>
             <a:pPr lvl="3"/>
             <a:r>
-              <a:rPr lang="en-US" smtClean="0"/>
+              <a:rPr lang="en-US"/>
               <a:t>Fourth level</a:t>
             </a:r>
           </a:p>
           <a:p>
             <a:pPr lvl="4"/>
             <a:r>
-              <a:rPr lang="en-US" smtClean="0"/>
+              <a:rPr lang="en-US"/>
               <a:t>Fifth level</a:t>
             </a:r>
-            <a:endParaRPr lang="en-US"/>
           </a:p>
         </p:txBody>
       </p:sp>
@@ -686,7 +685,7 @@
           </a:lstStyle>
           <a:p>
             <a:r>
-              <a:rPr lang="en-US" smtClean="0"/>
+              <a:rPr lang="en-US"/>
               <a:t>Click to edit Master title style</a:t>
             </a:r>
             <a:endParaRPr lang="en-US" dirty="0"/>
@@ -807,7 +806,7 @@
           </a:lstStyle>
           <a:p>
             <a:r>
-              <a:rPr lang="en-US" smtClean="0"/>
+              <a:rPr lang="en-US"/>
               <a:t>Click to edit Master subtitle style</a:t>
             </a:r>
             <a:endParaRPr lang="en-US" dirty="0"/>
@@ -831,7 +830,7 @@
           <a:p>
             <a:fld id="{046BA7D3-66BD-4DB8-915E-C2FF6DE276F7}" type="datetimeFigureOut">
               <a:rPr lang="en-US" smtClean="0"/>
-              <a:t>8/1/2025</a:t>
+              <a:t>8/6/2025</a:t>
             </a:fld>
             <a:endParaRPr lang="en-US"/>
           </a:p>
@@ -1100,7 +1099,7 @@
           <a:lstStyle/>
           <a:p>
             <a:r>
-              <a:rPr lang="en-US" smtClean="0"/>
+              <a:rPr lang="en-US"/>
               <a:t>Click to edit Master title style</a:t>
             </a:r>
             <a:endParaRPr lang="en-US" dirty="0"/>
@@ -1187,7 +1186,7 @@
           </a:lstStyle>
           <a:p>
             <a:r>
-              <a:rPr lang="en-US" smtClean="0"/>
+              <a:rPr lang="en-US"/>
               <a:t>Click icon to add picture</a:t>
             </a:r>
             <a:endParaRPr lang="en-US" dirty="0"/>
@@ -1244,7 +1243,7 @@
           <a:p>
             <a:pPr lvl="0"/>
             <a:r>
-              <a:rPr lang="en-US" smtClean="0"/>
+              <a:rPr lang="en-US"/>
               <a:t>Click to edit Master text styles</a:t>
             </a:r>
           </a:p>
@@ -1267,7 +1266,7 @@
           <a:p>
             <a:fld id="{046BA7D3-66BD-4DB8-915E-C2FF6DE276F7}" type="datetimeFigureOut">
               <a:rPr lang="en-US" smtClean="0"/>
-              <a:t>8/1/2025</a:t>
+              <a:t>8/6/2025</a:t>
             </a:fld>
             <a:endParaRPr lang="en-US"/>
           </a:p>
@@ -1372,7 +1371,7 @@
           </a:lstStyle>
           <a:p>
             <a:r>
-              <a:rPr lang="en-US" smtClean="0"/>
+              <a:rPr lang="en-US"/>
               <a:t>Click to edit Master title style</a:t>
             </a:r>
             <a:endParaRPr lang="en-US" dirty="0"/>
@@ -1494,7 +1493,7 @@
           <a:p>
             <a:pPr lvl="0"/>
             <a:r>
-              <a:rPr lang="en-US" smtClean="0"/>
+              <a:rPr lang="en-US"/>
               <a:t>Click to edit Master text styles</a:t>
             </a:r>
           </a:p>
@@ -1517,7 +1516,7 @@
           <a:p>
             <a:fld id="{046BA7D3-66BD-4DB8-915E-C2FF6DE276F7}" type="datetimeFigureOut">
               <a:rPr lang="en-US" smtClean="0"/>
-              <a:t>8/1/2025</a:t>
+              <a:t>8/6/2025</a:t>
             </a:fld>
             <a:endParaRPr lang="en-US"/>
           </a:p>
@@ -1626,7 +1625,7 @@
           </a:lstStyle>
           <a:p>
             <a:r>
-              <a:rPr lang="en-US" smtClean="0"/>
+              <a:rPr lang="en-US"/>
               <a:t>Click to edit Master title style</a:t>
             </a:r>
             <a:endParaRPr lang="en-US" dirty="0"/>
@@ -1681,7 +1680,7 @@
           <a:p>
             <a:pPr lvl="0"/>
             <a:r>
-              <a:rPr lang="en-US" smtClean="0"/>
+              <a:rPr lang="en-US"/>
               <a:t>Click to edit Master text styles</a:t>
             </a:r>
           </a:p>
@@ -1802,7 +1801,7 @@
           <a:p>
             <a:pPr lvl="0"/>
             <a:r>
-              <a:rPr lang="en-US" smtClean="0"/>
+              <a:rPr lang="en-US"/>
               <a:t>Click to edit Master text styles</a:t>
             </a:r>
           </a:p>
@@ -1825,7 +1824,7 @@
           <a:p>
             <a:fld id="{046BA7D3-66BD-4DB8-915E-C2FF6DE276F7}" type="datetimeFigureOut">
               <a:rPr lang="en-US" smtClean="0"/>
-              <a:t>8/1/2025</a:t>
+              <a:t>8/6/2025</a:t>
             </a:fld>
             <a:endParaRPr lang="en-US"/>
           </a:p>
@@ -1998,7 +1997,7 @@
           </a:lstStyle>
           <a:p>
             <a:r>
-              <a:rPr lang="en-US" smtClean="0"/>
+              <a:rPr lang="en-US"/>
               <a:t>Click to edit Master title style</a:t>
             </a:r>
             <a:endParaRPr lang="en-US" dirty="0"/>
@@ -2120,7 +2119,7 @@
           <a:p>
             <a:pPr lvl="0"/>
             <a:r>
-              <a:rPr lang="en-US" smtClean="0"/>
+              <a:rPr lang="en-US"/>
               <a:t>Click to edit Master text styles</a:t>
             </a:r>
           </a:p>
@@ -2143,7 +2142,7 @@
           <a:p>
             <a:fld id="{046BA7D3-66BD-4DB8-915E-C2FF6DE276F7}" type="datetimeFigureOut">
               <a:rPr lang="en-US" smtClean="0"/>
-              <a:t>8/1/2025</a:t>
+              <a:t>8/6/2025</a:t>
             </a:fld>
             <a:endParaRPr lang="en-US"/>
           </a:p>
@@ -2252,7 +2251,7 @@
           </a:lstStyle>
           <a:p>
             <a:r>
-              <a:rPr lang="en-US" smtClean="0"/>
+              <a:rPr lang="en-US"/>
               <a:t>Click to edit Master title style</a:t>
             </a:r>
             <a:endParaRPr lang="en-US" dirty="0"/>
@@ -2301,7 +2300,7 @@
               <a:buNone/>
             </a:pPr>
             <a:r>
-              <a:rPr lang="en-US" smtClean="0"/>
+              <a:rPr lang="en-US"/>
               <a:t>Click to edit Master text styles</a:t>
             </a:r>
           </a:p>
@@ -2422,7 +2421,7 @@
           <a:p>
             <a:pPr lvl="0"/>
             <a:r>
-              <a:rPr lang="en-US" smtClean="0"/>
+              <a:rPr lang="en-US"/>
               <a:t>Click to edit Master text styles</a:t>
             </a:r>
           </a:p>
@@ -2445,7 +2444,7 @@
           <a:p>
             <a:fld id="{046BA7D3-66BD-4DB8-915E-C2FF6DE276F7}" type="datetimeFigureOut">
               <a:rPr lang="en-US" smtClean="0"/>
-              <a:t>8/1/2025</a:t>
+              <a:t>8/6/2025</a:t>
             </a:fld>
             <a:endParaRPr lang="en-US"/>
           </a:p>
@@ -2619,7 +2618,7 @@
           <a:p>
             <a:pPr marL="0" lvl="0"/>
             <a:r>
-              <a:rPr lang="en-US" smtClean="0"/>
+              <a:rPr lang="en-US"/>
               <a:t>Click to edit Master title style</a:t>
             </a:r>
             <a:endParaRPr lang="en-US" dirty="0"/>
@@ -2668,7 +2667,7 @@
               <a:buNone/>
             </a:pPr>
             <a:r>
-              <a:rPr lang="en-US" smtClean="0"/>
+              <a:rPr lang="en-US"/>
               <a:t>Click to edit Master text styles</a:t>
             </a:r>
           </a:p>
@@ -2789,7 +2788,7 @@
           <a:p>
             <a:pPr lvl="0"/>
             <a:r>
-              <a:rPr lang="en-US" smtClean="0"/>
+              <a:rPr lang="en-US"/>
               <a:t>Click to edit Master text styles</a:t>
             </a:r>
           </a:p>
@@ -2812,7 +2811,7 @@
           <a:p>
             <a:fld id="{046BA7D3-66BD-4DB8-915E-C2FF6DE276F7}" type="datetimeFigureOut">
               <a:rPr lang="en-US" smtClean="0"/>
-              <a:t>8/1/2025</a:t>
+              <a:t>8/6/2025</a:t>
             </a:fld>
             <a:endParaRPr lang="en-US"/>
           </a:p>
@@ -2910,7 +2909,7 @@
           </a:lstStyle>
           <a:p>
             <a:r>
-              <a:rPr lang="en-US" smtClean="0"/>
+              <a:rPr lang="en-US"/>
               <a:t>Click to edit Master title style</a:t>
             </a:r>
             <a:endParaRPr lang="en-US" dirty="0"/>
@@ -2934,35 +2933,35 @@
           <a:p>
             <a:pPr lvl="0"/>
             <a:r>
-              <a:rPr lang="en-US" smtClean="0"/>
+              <a:rPr lang="en-US"/>
               <a:t>Click to edit Master text styles</a:t>
             </a:r>
           </a:p>
           <a:p>
             <a:pPr lvl="1"/>
             <a:r>
-              <a:rPr lang="en-US" smtClean="0"/>
+              <a:rPr lang="en-US"/>
               <a:t>Second level</a:t>
             </a:r>
           </a:p>
           <a:p>
             <a:pPr lvl="2"/>
             <a:r>
-              <a:rPr lang="en-US" smtClean="0"/>
+              <a:rPr lang="en-US"/>
               <a:t>Third level</a:t>
             </a:r>
           </a:p>
           <a:p>
             <a:pPr lvl="3"/>
             <a:r>
-              <a:rPr lang="en-US" smtClean="0"/>
+              <a:rPr lang="en-US"/>
               <a:t>Fourth level</a:t>
             </a:r>
           </a:p>
           <a:p>
             <a:pPr lvl="4"/>
             <a:r>
-              <a:rPr lang="en-US" smtClean="0"/>
+              <a:rPr lang="en-US"/>
               <a:t>Fifth level</a:t>
             </a:r>
             <a:endParaRPr lang="en-US" dirty="0"/>
@@ -2986,7 +2985,7 @@
           <a:p>
             <a:fld id="{046BA7D3-66BD-4DB8-915E-C2FF6DE276F7}" type="datetimeFigureOut">
               <a:rPr lang="en-US" smtClean="0"/>
-              <a:t>8/1/2025</a:t>
+              <a:t>8/6/2025</a:t>
             </a:fld>
             <a:endParaRPr lang="en-US"/>
           </a:p>
@@ -3085,7 +3084,7 @@
           <a:lstStyle/>
           <a:p>
             <a:r>
-              <a:rPr lang="en-US" smtClean="0"/>
+              <a:rPr lang="en-US"/>
               <a:t>Click to edit Master title style</a:t>
             </a:r>
             <a:endParaRPr lang="en-US" dirty="0"/>
@@ -3114,35 +3113,35 @@
           <a:p>
             <a:pPr lvl="0"/>
             <a:r>
-              <a:rPr lang="en-US" smtClean="0"/>
+              <a:rPr lang="en-US"/>
               <a:t>Click to edit Master text styles</a:t>
             </a:r>
           </a:p>
           <a:p>
             <a:pPr lvl="1"/>
             <a:r>
-              <a:rPr lang="en-US" smtClean="0"/>
+              <a:rPr lang="en-US"/>
               <a:t>Second level</a:t>
             </a:r>
           </a:p>
           <a:p>
             <a:pPr lvl="2"/>
             <a:r>
-              <a:rPr lang="en-US" smtClean="0"/>
+              <a:rPr lang="en-US"/>
               <a:t>Third level</a:t>
             </a:r>
           </a:p>
           <a:p>
             <a:pPr lvl="3"/>
             <a:r>
-              <a:rPr lang="en-US" smtClean="0"/>
+              <a:rPr lang="en-US"/>
               <a:t>Fourth level</a:t>
             </a:r>
           </a:p>
           <a:p>
             <a:pPr lvl="4"/>
             <a:r>
-              <a:rPr lang="en-US" smtClean="0"/>
+              <a:rPr lang="en-US"/>
               <a:t>Fifth level</a:t>
             </a:r>
             <a:endParaRPr lang="en-US" dirty="0"/>
@@ -3166,7 +3165,7 @@
           <a:p>
             <a:fld id="{046BA7D3-66BD-4DB8-915E-C2FF6DE276F7}" type="datetimeFigureOut">
               <a:rPr lang="en-US" smtClean="0"/>
-              <a:t>8/1/2025</a:t>
+              <a:t>8/6/2025</a:t>
             </a:fld>
             <a:endParaRPr lang="en-US"/>
           </a:p>
@@ -3260,7 +3259,7 @@
           <a:lstStyle/>
           <a:p>
             <a:r>
-              <a:rPr lang="en-US" smtClean="0"/>
+              <a:rPr lang="en-US"/>
               <a:t>Click to edit Master title style</a:t>
             </a:r>
             <a:endParaRPr lang="en-US" dirty="0"/>
@@ -3284,35 +3283,35 @@
           <a:p>
             <a:pPr lvl="0"/>
             <a:r>
-              <a:rPr lang="en-US" smtClean="0"/>
+              <a:rPr lang="en-US"/>
               <a:t>Click to edit Master text styles</a:t>
             </a:r>
           </a:p>
           <a:p>
             <a:pPr lvl="1"/>
             <a:r>
-              <a:rPr lang="en-US" smtClean="0"/>
+              <a:rPr lang="en-US"/>
               <a:t>Second level</a:t>
             </a:r>
           </a:p>
           <a:p>
             <a:pPr lvl="2"/>
             <a:r>
-              <a:rPr lang="en-US" smtClean="0"/>
+              <a:rPr lang="en-US"/>
               <a:t>Third level</a:t>
             </a:r>
           </a:p>
           <a:p>
             <a:pPr lvl="3"/>
             <a:r>
-              <a:rPr lang="en-US" smtClean="0"/>
+              <a:rPr lang="en-US"/>
               <a:t>Fourth level</a:t>
             </a:r>
           </a:p>
           <a:p>
             <a:pPr lvl="4"/>
             <a:r>
-              <a:rPr lang="en-US" smtClean="0"/>
+              <a:rPr lang="en-US"/>
               <a:t>Fifth level</a:t>
             </a:r>
             <a:endParaRPr lang="en-US" dirty="0"/>
@@ -3336,7 +3335,7 @@
           <a:p>
             <a:fld id="{046BA7D3-66BD-4DB8-915E-C2FF6DE276F7}" type="datetimeFigureOut">
               <a:rPr lang="en-US" smtClean="0"/>
-              <a:t>8/1/2025</a:t>
+              <a:t>8/6/2025</a:t>
             </a:fld>
             <a:endParaRPr lang="en-US"/>
           </a:p>
@@ -3441,7 +3440,7 @@
           </a:lstStyle>
           <a:p>
             <a:r>
-              <a:rPr lang="en-US" smtClean="0"/>
+              <a:rPr lang="en-US"/>
               <a:t>Click to edit Master title style</a:t>
             </a:r>
             <a:endParaRPr lang="en-US" dirty="0"/>
@@ -3563,7 +3562,7 @@
           <a:p>
             <a:pPr lvl="0"/>
             <a:r>
-              <a:rPr lang="en-US" smtClean="0"/>
+              <a:rPr lang="en-US"/>
               <a:t>Click to edit Master text styles</a:t>
             </a:r>
           </a:p>
@@ -3586,7 +3585,7 @@
           <a:p>
             <a:fld id="{046BA7D3-66BD-4DB8-915E-C2FF6DE276F7}" type="datetimeFigureOut">
               <a:rPr lang="en-US" smtClean="0"/>
-              <a:t>8/1/2025</a:t>
+              <a:t>8/6/2025</a:t>
             </a:fld>
             <a:endParaRPr lang="en-US"/>
           </a:p>
@@ -3680,7 +3679,7 @@
           <a:lstStyle/>
           <a:p>
             <a:r>
-              <a:rPr lang="en-US" smtClean="0"/>
+              <a:rPr lang="en-US"/>
               <a:t>Click to edit Master title style</a:t>
             </a:r>
             <a:endParaRPr lang="en-US" dirty="0"/>
@@ -3711,35 +3710,35 @@
           <a:p>
             <a:pPr lvl="0"/>
             <a:r>
-              <a:rPr lang="en-US" smtClean="0"/>
+              <a:rPr lang="en-US"/>
               <a:t>Click to edit Master text styles</a:t>
             </a:r>
           </a:p>
           <a:p>
             <a:pPr lvl="1"/>
             <a:r>
-              <a:rPr lang="en-US" smtClean="0"/>
+              <a:rPr lang="en-US"/>
               <a:t>Second level</a:t>
             </a:r>
           </a:p>
           <a:p>
             <a:pPr lvl="2"/>
             <a:r>
-              <a:rPr lang="en-US" smtClean="0"/>
+              <a:rPr lang="en-US"/>
               <a:t>Third level</a:t>
             </a:r>
           </a:p>
           <a:p>
             <a:pPr lvl="3"/>
             <a:r>
-              <a:rPr lang="en-US" smtClean="0"/>
+              <a:rPr lang="en-US"/>
               <a:t>Fourth level</a:t>
             </a:r>
           </a:p>
           <a:p>
             <a:pPr lvl="4"/>
             <a:r>
-              <a:rPr lang="en-US" smtClean="0"/>
+              <a:rPr lang="en-US"/>
               <a:t>Fifth level</a:t>
             </a:r>
             <a:endParaRPr lang="en-US" dirty="0"/>
@@ -3770,35 +3769,35 @@
           <a:p>
             <a:pPr lvl="0"/>
             <a:r>
-              <a:rPr lang="en-US" smtClean="0"/>
+              <a:rPr lang="en-US"/>
               <a:t>Click to edit Master text styles</a:t>
             </a:r>
           </a:p>
           <a:p>
             <a:pPr lvl="1"/>
             <a:r>
-              <a:rPr lang="en-US" smtClean="0"/>
+              <a:rPr lang="en-US"/>
               <a:t>Second level</a:t>
             </a:r>
           </a:p>
           <a:p>
             <a:pPr lvl="2"/>
             <a:r>
-              <a:rPr lang="en-US" smtClean="0"/>
+              <a:rPr lang="en-US"/>
               <a:t>Third level</a:t>
             </a:r>
           </a:p>
           <a:p>
             <a:pPr lvl="3"/>
             <a:r>
-              <a:rPr lang="en-US" smtClean="0"/>
+              <a:rPr lang="en-US"/>
               <a:t>Fourth level</a:t>
             </a:r>
           </a:p>
           <a:p>
             <a:pPr lvl="4"/>
             <a:r>
-              <a:rPr lang="en-US" smtClean="0"/>
+              <a:rPr lang="en-US"/>
               <a:t>Fifth level</a:t>
             </a:r>
             <a:endParaRPr lang="en-US" dirty="0"/>
@@ -3822,7 +3821,7 @@
           <a:p>
             <a:fld id="{046BA7D3-66BD-4DB8-915E-C2FF6DE276F7}" type="datetimeFigureOut">
               <a:rPr lang="en-US" smtClean="0"/>
-              <a:t>8/1/2025</a:t>
+              <a:t>8/6/2025</a:t>
             </a:fld>
             <a:endParaRPr lang="en-US"/>
           </a:p>
@@ -3920,7 +3919,7 @@
           </a:lstStyle>
           <a:p>
             <a:r>
-              <a:rPr lang="en-US" smtClean="0"/>
+              <a:rPr lang="en-US"/>
               <a:t>Click to edit Master title style</a:t>
             </a:r>
             <a:endParaRPr lang="en-US" dirty="0"/>
@@ -3992,7 +3991,7 @@
           <a:p>
             <a:pPr lvl="0"/>
             <a:r>
-              <a:rPr lang="en-US" smtClean="0"/>
+              <a:rPr lang="en-US"/>
               <a:t>Click to edit Master text styles</a:t>
             </a:r>
           </a:p>
@@ -4022,35 +4021,35 @@
           <a:p>
             <a:pPr lvl="0"/>
             <a:r>
-              <a:rPr lang="en-US" smtClean="0"/>
+              <a:rPr lang="en-US"/>
               <a:t>Click to edit Master text styles</a:t>
             </a:r>
           </a:p>
           <a:p>
             <a:pPr lvl="1"/>
             <a:r>
-              <a:rPr lang="en-US" smtClean="0"/>
+              <a:rPr lang="en-US"/>
               <a:t>Second level</a:t>
             </a:r>
           </a:p>
           <a:p>
             <a:pPr lvl="2"/>
             <a:r>
-              <a:rPr lang="en-US" smtClean="0"/>
+              <a:rPr lang="en-US"/>
               <a:t>Third level</a:t>
             </a:r>
           </a:p>
           <a:p>
             <a:pPr lvl="3"/>
             <a:r>
-              <a:rPr lang="en-US" smtClean="0"/>
+              <a:rPr lang="en-US"/>
               <a:t>Fourth level</a:t>
             </a:r>
           </a:p>
           <a:p>
             <a:pPr lvl="4"/>
             <a:r>
-              <a:rPr lang="en-US" smtClean="0"/>
+              <a:rPr lang="en-US"/>
               <a:t>Fifth level</a:t>
             </a:r>
             <a:endParaRPr lang="en-US" dirty="0"/>
@@ -4122,7 +4121,7 @@
           <a:p>
             <a:pPr lvl="0"/>
             <a:r>
-              <a:rPr lang="en-US" smtClean="0"/>
+              <a:rPr lang="en-US"/>
               <a:t>Click to edit Master text styles</a:t>
             </a:r>
           </a:p>
@@ -4152,35 +4151,35 @@
           <a:p>
             <a:pPr lvl="0"/>
             <a:r>
-              <a:rPr lang="en-US" smtClean="0"/>
+              <a:rPr lang="en-US"/>
               <a:t>Click to edit Master text styles</a:t>
             </a:r>
           </a:p>
           <a:p>
             <a:pPr lvl="1"/>
             <a:r>
-              <a:rPr lang="en-US" smtClean="0"/>
+              <a:rPr lang="en-US"/>
               <a:t>Second level</a:t>
             </a:r>
           </a:p>
           <a:p>
             <a:pPr lvl="2"/>
             <a:r>
-              <a:rPr lang="en-US" smtClean="0"/>
+              <a:rPr lang="en-US"/>
               <a:t>Third level</a:t>
             </a:r>
           </a:p>
           <a:p>
             <a:pPr lvl="3"/>
             <a:r>
-              <a:rPr lang="en-US" smtClean="0"/>
+              <a:rPr lang="en-US"/>
               <a:t>Fourth level</a:t>
             </a:r>
           </a:p>
           <a:p>
             <a:pPr lvl="4"/>
             <a:r>
-              <a:rPr lang="en-US" smtClean="0"/>
+              <a:rPr lang="en-US"/>
               <a:t>Fifth level</a:t>
             </a:r>
             <a:endParaRPr lang="en-US" dirty="0"/>
@@ -4204,7 +4203,7 @@
           <a:p>
             <a:fld id="{046BA7D3-66BD-4DB8-915E-C2FF6DE276F7}" type="datetimeFigureOut">
               <a:rPr lang="en-US" smtClean="0"/>
-              <a:t>8/1/2025</a:t>
+              <a:t>8/6/2025</a:t>
             </a:fld>
             <a:endParaRPr lang="en-US"/>
           </a:p>
@@ -4298,7 +4297,7 @@
           <a:lstStyle/>
           <a:p>
             <a:r>
-              <a:rPr lang="en-US" smtClean="0"/>
+              <a:rPr lang="en-US"/>
               <a:t>Click to edit Master title style</a:t>
             </a:r>
             <a:endParaRPr lang="en-US" dirty="0"/>
@@ -4322,7 +4321,7 @@
           <a:p>
             <a:fld id="{046BA7D3-66BD-4DB8-915E-C2FF6DE276F7}" type="datetimeFigureOut">
               <a:rPr lang="en-US" smtClean="0"/>
-              <a:t>8/1/2025</a:t>
+              <a:t>8/6/2025</a:t>
             </a:fld>
             <a:endParaRPr lang="en-US"/>
           </a:p>
@@ -4417,7 +4416,7 @@
           <a:p>
             <a:fld id="{046BA7D3-66BD-4DB8-915E-C2FF6DE276F7}" type="datetimeFigureOut">
               <a:rPr lang="en-US" smtClean="0"/>
-              <a:t>8/1/2025</a:t>
+              <a:t>8/6/2025</a:t>
             </a:fld>
             <a:endParaRPr lang="en-US"/>
           </a:p>
@@ -4522,7 +4521,7 @@
           </a:lstStyle>
           <a:p>
             <a:r>
-              <a:rPr lang="en-US" smtClean="0"/>
+              <a:rPr lang="en-US"/>
               <a:t>Click to edit Master title style</a:t>
             </a:r>
             <a:endParaRPr lang="en-US" dirty="0"/>
@@ -4553,35 +4552,35 @@
           <a:p>
             <a:pPr lvl="0"/>
             <a:r>
-              <a:rPr lang="en-US" smtClean="0"/>
+              <a:rPr lang="en-US"/>
               <a:t>Click to edit Master text styles</a:t>
             </a:r>
           </a:p>
           <a:p>
             <a:pPr lvl="1"/>
             <a:r>
-              <a:rPr lang="en-US" smtClean="0"/>
+              <a:rPr lang="en-US"/>
               <a:t>Second level</a:t>
             </a:r>
           </a:p>
           <a:p>
             <a:pPr lvl="2"/>
             <a:r>
-              <a:rPr lang="en-US" smtClean="0"/>
+              <a:rPr lang="en-US"/>
               <a:t>Third level</a:t>
             </a:r>
           </a:p>
           <a:p>
             <a:pPr lvl="3"/>
             <a:r>
-              <a:rPr lang="en-US" smtClean="0"/>
+              <a:rPr lang="en-US"/>
               <a:t>Fourth level</a:t>
             </a:r>
           </a:p>
           <a:p>
             <a:pPr lvl="4"/>
             <a:r>
-              <a:rPr lang="en-US" smtClean="0"/>
+              <a:rPr lang="en-US"/>
               <a:t>Fifth level</a:t>
             </a:r>
             <a:endParaRPr lang="en-US" dirty="0"/>
@@ -4649,7 +4648,7 @@
           <a:p>
             <a:pPr lvl="0"/>
             <a:r>
-              <a:rPr lang="en-US" smtClean="0"/>
+              <a:rPr lang="en-US"/>
               <a:t>Click to edit Master text styles</a:t>
             </a:r>
           </a:p>
@@ -4672,7 +4671,7 @@
           <a:p>
             <a:fld id="{046BA7D3-66BD-4DB8-915E-C2FF6DE276F7}" type="datetimeFigureOut">
               <a:rPr lang="en-US" smtClean="0"/>
-              <a:t>8/1/2025</a:t>
+              <a:t>8/6/2025</a:t>
             </a:fld>
             <a:endParaRPr lang="en-US"/>
           </a:p>
@@ -4777,7 +4776,7 @@
           </a:lstStyle>
           <a:p>
             <a:r>
-              <a:rPr lang="en-US" smtClean="0"/>
+              <a:rPr lang="en-US"/>
               <a:t>Click to edit Master title style</a:t>
             </a:r>
             <a:endParaRPr lang="en-US" dirty="0"/>
@@ -4864,7 +4863,7 @@
           </a:lstStyle>
           <a:p>
             <a:r>
-              <a:rPr lang="en-US" smtClean="0"/>
+              <a:rPr lang="en-US"/>
               <a:t>Click icon to add picture</a:t>
             </a:r>
             <a:endParaRPr lang="en-US" dirty="0"/>
@@ -4932,7 +4931,7 @@
           <a:p>
             <a:pPr lvl="0"/>
             <a:r>
-              <a:rPr lang="en-US" smtClean="0"/>
+              <a:rPr lang="en-US"/>
               <a:t>Click to edit Master text styles</a:t>
             </a:r>
           </a:p>
@@ -4955,7 +4954,7 @@
           <a:p>
             <a:fld id="{046BA7D3-66BD-4DB8-915E-C2FF6DE276F7}" type="datetimeFigureOut">
               <a:rPr lang="en-US" smtClean="0"/>
-              <a:t>8/1/2025</a:t>
+              <a:t>8/6/2025</a:t>
             </a:fld>
             <a:endParaRPr lang="en-US"/>
           </a:p>
@@ -5255,7 +5254,7 @@
           <a:lstStyle/>
           <a:p>
             <a:r>
-              <a:rPr lang="en-US" smtClean="0"/>
+              <a:rPr lang="en-US"/>
               <a:t>Click to edit Master title style</a:t>
             </a:r>
             <a:endParaRPr lang="en-US" dirty="0"/>
@@ -5289,35 +5288,35 @@
           <a:p>
             <a:pPr lvl="0"/>
             <a:r>
-              <a:rPr lang="en-US" smtClean="0"/>
+              <a:rPr lang="en-US"/>
               <a:t>Click to edit Master text styles</a:t>
             </a:r>
           </a:p>
           <a:p>
             <a:pPr lvl="1"/>
             <a:r>
-              <a:rPr lang="en-US" smtClean="0"/>
+              <a:rPr lang="en-US"/>
               <a:t>Second level</a:t>
             </a:r>
           </a:p>
           <a:p>
             <a:pPr lvl="2"/>
             <a:r>
-              <a:rPr lang="en-US" smtClean="0"/>
+              <a:rPr lang="en-US"/>
               <a:t>Third level</a:t>
             </a:r>
           </a:p>
           <a:p>
             <a:pPr lvl="3"/>
             <a:r>
-              <a:rPr lang="en-US" smtClean="0"/>
+              <a:rPr lang="en-US"/>
               <a:t>Fourth level</a:t>
             </a:r>
           </a:p>
           <a:p>
             <a:pPr lvl="4"/>
             <a:r>
-              <a:rPr lang="en-US" smtClean="0"/>
+              <a:rPr lang="en-US"/>
               <a:t>Fifth level</a:t>
             </a:r>
             <a:endParaRPr lang="en-US" dirty="0"/>
@@ -5361,7 +5360,7 @@
           <a:p>
             <a:fld id="{046BA7D3-66BD-4DB8-915E-C2FF6DE276F7}" type="datetimeFigureOut">
               <a:rPr lang="en-US" smtClean="0"/>
-              <a:t>8/1/2025</a:t>
+              <a:t>8/6/2025</a:t>
             </a:fld>
             <a:endParaRPr lang="en-US"/>
           </a:p>
@@ -5920,28 +5919,23 @@
           <a:p>
             <a:pPr algn="ctr"/>
             <a:r>
-              <a:rPr lang="en-US" b="1" u="sng" dirty="0" smtClean="0"/>
+              <a:rPr lang="en-US" b="1" u="sng" dirty="0"/>
               <a:t>Sustainable Energy</a:t>
             </a:r>
-            <a:r>
-              <a:rPr lang="en-US" b="1" dirty="0" smtClean="0"/>
-              <a:t/>
-            </a:r>
             <a:br>
-              <a:rPr lang="en-US" b="1" dirty="0" smtClean="0"/>
+              <a:rPr lang="en-US" b="1" dirty="0"/>
             </a:br>
             <a:r>
-              <a:rPr lang="en-US" i="1" dirty="0" smtClean="0"/>
+              <a:rPr lang="en-US" i="1" dirty="0"/>
               <a:t>Team# 3</a:t>
             </a:r>
             <a:br>
-              <a:rPr lang="en-US" i="1" dirty="0" smtClean="0"/>
+              <a:rPr lang="en-US" i="1" dirty="0"/>
             </a:br>
             <a:r>
-              <a:rPr lang="en-US" i="1" dirty="0" smtClean="0"/>
+              <a:rPr lang="en-US" i="1" dirty="0"/>
               <a:t>CSCN8010 – Foundation of Machine Learning</a:t>
             </a:r>
-            <a:endParaRPr lang="en-US" i="1" dirty="0"/>
           </a:p>
         </p:txBody>
       </p:sp>
@@ -5962,7 +5956,7 @@
           </a:bodyPr>
           <a:lstStyle/>
           <a:p>
-            <a:endParaRPr lang="en-US" dirty="0" smtClean="0">
+            <a:endParaRPr lang="en-US" dirty="0">
               <a:solidFill>
                 <a:schemeClr val="accent3">
                   <a:lumMod val="50000"/>
@@ -5973,7 +5967,7 @@
           <a:p>
             <a:pPr algn="just"/>
             <a:r>
-              <a:rPr lang="en-US" b="1" dirty="0" smtClean="0">
+              <a:rPr lang="en-US" b="1" dirty="0">
                 <a:solidFill>
                   <a:schemeClr val="accent3">
                     <a:lumMod val="50000"/>
@@ -5989,7 +5983,7 @@
               <a:buChar char="•"/>
             </a:pPr>
             <a:r>
-              <a:rPr lang="en-US" dirty="0" err="1" smtClean="0">
+              <a:rPr lang="en-US" dirty="0" err="1">
                 <a:solidFill>
                   <a:schemeClr val="accent3">
                     <a:lumMod val="50000"/>
@@ -5999,7 +5993,7 @@
               <a:t>Kapil</a:t>
             </a:r>
             <a:r>
-              <a:rPr lang="en-US" dirty="0" smtClean="0">
+              <a:rPr lang="en-US" dirty="0">
                 <a:solidFill>
                   <a:schemeClr val="accent3">
                     <a:lumMod val="50000"/>
@@ -6015,7 +6009,7 @@
               <a:buChar char="•"/>
             </a:pPr>
             <a:r>
-              <a:rPr lang="en-US" dirty="0" err="1" smtClean="0">
+              <a:rPr lang="en-US" dirty="0" err="1">
                 <a:solidFill>
                   <a:schemeClr val="accent3">
                     <a:lumMod val="50000"/>
@@ -6025,7 +6019,7 @@
               <a:t>Parag</a:t>
             </a:r>
             <a:r>
-              <a:rPr lang="en-US" dirty="0" smtClean="0">
+              <a:rPr lang="en-US" dirty="0">
                 <a:solidFill>
                   <a:schemeClr val="accent3">
                     <a:lumMod val="50000"/>
@@ -6041,7 +6035,7 @@
               <a:buChar char="•"/>
             </a:pPr>
             <a:r>
-              <a:rPr lang="en-US" dirty="0" err="1" smtClean="0">
+              <a:rPr lang="en-US" dirty="0" err="1">
                 <a:solidFill>
                   <a:schemeClr val="accent3">
                     <a:lumMod val="50000"/>
@@ -6051,7 +6045,7 @@
               <a:t>Preetpal</a:t>
             </a:r>
             <a:r>
-              <a:rPr lang="en-US" dirty="0" smtClean="0">
+              <a:rPr lang="en-US" dirty="0">
                 <a:solidFill>
                   <a:schemeClr val="accent3">
                     <a:lumMod val="50000"/>
@@ -6129,10 +6123,9 @@
           <a:lstStyle/>
           <a:p>
             <a:r>
-              <a:rPr lang="en-US" sz="4000" b="1" u="sng" dirty="0" smtClean="0"/>
+              <a:rPr lang="en-US" sz="4000" b="1" u="sng" dirty="0"/>
               <a:t>About our Project</a:t>
             </a:r>
-            <a:endParaRPr lang="en-US" sz="4000" b="1" u="sng" dirty="0"/>
           </a:p>
         </p:txBody>
       </p:sp>
@@ -6235,25 +6228,7 @@
                 </a:solidFill>
                 <a:latin typeface="Arial" panose="020B0604020202020204" pitchFamily="34" charset="0"/>
               </a:rPr>
-              <a:t>There is a growing need to measure, reduce, and report energy consumption related to AI model </a:t>
-            </a:r>
-            <a:r>
-              <a:rPr lang="en-US" sz="2000" i="1" dirty="0" smtClean="0">
-                <a:solidFill>
-                  <a:schemeClr val="tx1"/>
-                </a:solidFill>
-                <a:latin typeface="Arial" panose="020B0604020202020204" pitchFamily="34" charset="0"/>
-              </a:rPr>
-              <a:t>usage, especially </a:t>
-            </a:r>
-            <a:r>
-              <a:rPr lang="en-US" sz="2000" i="1" dirty="0">
-                <a:solidFill>
-                  <a:schemeClr val="tx1"/>
-                </a:solidFill>
-                <a:latin typeface="Arial" panose="020B0604020202020204" pitchFamily="34" charset="0"/>
-              </a:rPr>
-              <a:t>large language models (LLMs).</a:t>
+              <a:t>There is a growing need to measure, reduce, and report energy consumption related to AI model usage, especially large language models (LLMs).</a:t>
             </a:r>
           </a:p>
           <a:p>
@@ -6379,16 +6354,7 @@
                 </a:solidFill>
                 <a:latin typeface="Arial" panose="020B0604020202020204" pitchFamily="34" charset="0"/>
               </a:rPr>
-              <a:t>Transparency and logging for green AI </a:t>
-            </a:r>
-            <a:r>
-              <a:rPr lang="en-US" sz="2000" i="1" dirty="0" smtClean="0">
-                <a:solidFill>
-                  <a:schemeClr val="tx1"/>
-                </a:solidFill>
-                <a:latin typeface="Arial" panose="020B0604020202020204" pitchFamily="34" charset="0"/>
-              </a:rPr>
-              <a:t>reporting</a:t>
+              <a:t>Transparency and logging for green AI reporting</a:t>
             </a:r>
           </a:p>
           <a:p>
@@ -6469,7 +6435,7 @@
               <a:buNone/>
               <a:tabLst/>
             </a:pPr>
-            <a:endParaRPr kumimoji="0" lang="en-US" sz="2000" i="1" u="none" strike="noStrike" cap="none" normalizeH="0" dirty="0" smtClean="0">
+            <a:endParaRPr kumimoji="0" lang="en-US" sz="2000" i="1" u="none" strike="noStrike" cap="none" normalizeH="0" dirty="0">
               <a:ln>
                 <a:noFill/>
               </a:ln>
@@ -6492,13 +6458,6 @@
   <p:clrMapOvr>
     <a:masterClrMapping/>
   </p:clrMapOvr>
-  <p:timing>
-    <p:tnLst>
-      <p:par>
-        <p:cTn id="1" dur="indefinite" restart="never" nodeType="tmRoot"/>
-      </p:par>
-    </p:tnLst>
-  </p:timing>
 </p:sld>
 </file>
 
@@ -6554,7 +6513,7 @@
               <a:buFont typeface="Arial" panose="020B0604020202020204" pitchFamily="34" charset="0"/>
               <a:buChar char="•"/>
             </a:pPr>
-            <a:endParaRPr lang="en-US" sz="1600" dirty="0" smtClean="0">
+            <a:endParaRPr lang="en-US" sz="1600" dirty="0">
               <a:latin typeface="Arial" panose="020B0604020202020204" pitchFamily="34" charset="0"/>
               <a:cs typeface="Arial" panose="020B0604020202020204" pitchFamily="34" charset="0"/>
             </a:endParaRPr>
@@ -6565,18 +6524,11 @@
               <a:buChar char="•"/>
             </a:pPr>
             <a:r>
-              <a:rPr lang="en-US" sz="1600" dirty="0" smtClean="0">
-                <a:latin typeface="Arial" panose="020B0604020202020204" pitchFamily="34" charset="0"/>
-                <a:cs typeface="Arial" panose="020B0604020202020204" pitchFamily="34" charset="0"/>
-              </a:rPr>
-              <a:t>🏢 </a:t>
-            </a:r>
-            <a:r>
               <a:rPr lang="en-US" sz="1600" dirty="0">
                 <a:latin typeface="Arial" panose="020B0604020202020204" pitchFamily="34" charset="0"/>
                 <a:cs typeface="Arial" panose="020B0604020202020204" pitchFamily="34" charset="0"/>
               </a:rPr>
-              <a:t>Over 1,200 </a:t>
+              <a:t>🏢 Over 1,200 </a:t>
             </a:r>
             <a:r>
               <a:rPr lang="en-US" sz="1600" dirty="0" err="1">
@@ -6599,18 +6551,11 @@
               <a:buChar char="•"/>
             </a:pPr>
             <a:r>
-              <a:rPr lang="en-US" sz="1600" dirty="0" smtClean="0">
-                <a:latin typeface="Arial" panose="020B0604020202020204" pitchFamily="34" charset="0"/>
-                <a:cs typeface="Arial" panose="020B0604020202020204" pitchFamily="34" charset="0"/>
-              </a:rPr>
-              <a:t>⚡ </a:t>
-            </a:r>
-            <a:r>
               <a:rPr lang="en-US" sz="1600" dirty="0">
                 <a:latin typeface="Arial" panose="020B0604020202020204" pitchFamily="34" charset="0"/>
                 <a:cs typeface="Arial" panose="020B0604020202020204" pitchFamily="34" charset="0"/>
               </a:rPr>
-              <a:t>Projected to surpass the national electricity demand of Poland by next year</a:t>
+              <a:t>⚡ Projected to surpass the national electricity demand of Poland by next year</a:t>
             </a:r>
           </a:p>
           <a:p>
@@ -6619,18 +6564,11 @@
               <a:buChar char="•"/>
             </a:pPr>
             <a:r>
-              <a:rPr lang="en-US" sz="1600" dirty="0" smtClean="0">
-                <a:latin typeface="Arial" panose="020B0604020202020204" pitchFamily="34" charset="0"/>
-                <a:cs typeface="Arial" panose="020B0604020202020204" pitchFamily="34" charset="0"/>
-              </a:rPr>
-              <a:t>💦 </a:t>
-            </a:r>
-            <a:r>
               <a:rPr lang="en-US" sz="1600" dirty="0">
                 <a:latin typeface="Arial" panose="020B0604020202020204" pitchFamily="34" charset="0"/>
                 <a:cs typeface="Arial" panose="020B0604020202020204" pitchFamily="34" charset="0"/>
               </a:rPr>
-              <a:t>2 million liters/day: Water consumed by a single 100 MW data center</a:t>
+              <a:t>💦 2 million liters/day: Water consumed by a single 100 MW data center</a:t>
             </a:r>
           </a:p>
           <a:p>
@@ -6639,22 +6577,15 @@
               <a:buChar char="•"/>
             </a:pPr>
             <a:r>
-              <a:rPr lang="en-US" sz="1600" dirty="0" smtClean="0">
-                <a:latin typeface="Arial" panose="020B0604020202020204" pitchFamily="34" charset="0"/>
-                <a:cs typeface="Arial" panose="020B0604020202020204" pitchFamily="34" charset="0"/>
-              </a:rPr>
-              <a:t>💰 </a:t>
-            </a:r>
-            <a:r>
               <a:rPr lang="en-US" sz="1600" dirty="0">
                 <a:latin typeface="Arial" panose="020B0604020202020204" pitchFamily="34" charset="0"/>
                 <a:cs typeface="Arial" panose="020B0604020202020204" pitchFamily="34" charset="0"/>
               </a:rPr>
-              <a:t>Annual health and environmental costs could reach $9.2 billion</a:t>
-            </a:r>
-          </a:p>
-          <a:p>
-            <a:endParaRPr lang="en-US" sz="1400" b="1" u="sng" dirty="0" smtClean="0">
+              <a:t>💰 Annual health and environmental costs could reach $9.2 billion</a:t>
+            </a:r>
+          </a:p>
+          <a:p>
+            <a:endParaRPr lang="en-US" sz="1400" b="1" u="sng" dirty="0">
               <a:solidFill>
                 <a:srgbClr val="C00000"/>
               </a:solidFill>
@@ -6662,20 +6593,12 @@
           </a:p>
           <a:p>
             <a:r>
-              <a:rPr lang="en-US" b="1" u="sng" dirty="0" smtClean="0">
+              <a:rPr lang="en-US" b="1" u="sng" dirty="0">
                 <a:solidFill>
                   <a:srgbClr val="C00000"/>
                 </a:solidFill>
               </a:rPr>
-              <a:t>Global </a:t>
-            </a:r>
-            <a:r>
-              <a:rPr lang="en-US" b="1" u="sng" dirty="0">
-                <a:solidFill>
-                  <a:srgbClr val="C00000"/>
-                </a:solidFill>
-              </a:rPr>
-              <a:t>regulatory push:</a:t>
+              <a:t>Global regulatory push:</a:t>
             </a:r>
           </a:p>
           <a:p>
@@ -6688,13 +6611,8 @@
             </a:pPr>
             <a:r>
               <a:rPr lang="en-US" sz="1400" dirty="0"/>
-              <a:t>California’s Zero-Carbon Mandates (SB 57, AB 222</a:t>
-            </a:r>
-            <a:r>
-              <a:rPr lang="en-US" sz="1400" dirty="0" smtClean="0"/>
-              <a:t>) – for tech companies</a:t>
-            </a:r>
-            <a:endParaRPr lang="en-US" sz="1400" dirty="0"/>
+              <a:t>California’s Zero-Carbon Mandates (SB 57, AB 222) – for tech companies</a:t>
+            </a:r>
           </a:p>
           <a:p>
             <a:pPr marL="285750" indent="-285750">
@@ -6702,12 +6620,8 @@
               <a:buChar char="•"/>
             </a:pPr>
             <a:r>
-              <a:rPr lang="en-US" sz="1400" dirty="0" smtClean="0"/>
-              <a:t>EU </a:t>
-            </a:r>
-            <a:r>
               <a:rPr lang="en-US" sz="1400" dirty="0"/>
-              <a:t>AI Act: Mandatory energy disclosure by August 2026</a:t>
+              <a:t>EU AI Act: Mandatory energy disclosure by August 2026</a:t>
             </a:r>
           </a:p>
           <a:p>
@@ -6716,12 +6630,8 @@
               <a:buChar char="•"/>
             </a:pPr>
             <a:r>
-              <a:rPr lang="en-US" sz="1400" dirty="0" smtClean="0"/>
-              <a:t>India's </a:t>
-            </a:r>
-            <a:r>
               <a:rPr lang="en-US" sz="1400" dirty="0"/>
-              <a:t>draft digital emissions guidelines (2025)</a:t>
+              <a:t>India's draft digital emissions guidelines (2025)</a:t>
             </a:r>
           </a:p>
           <a:p>
@@ -6751,7 +6661,7 @@
           <a:lstStyle/>
           <a:p>
             <a:r>
-              <a:rPr lang="en-US" b="1" u="sng" dirty="0" smtClean="0">
+              <a:rPr lang="en-US" b="1" u="sng" dirty="0">
                 <a:solidFill>
                   <a:srgbClr val="C00000"/>
                 </a:solidFill>
@@ -6772,12 +6682,8 @@
               <a:buChar char="•"/>
             </a:pPr>
             <a:r>
-              <a:rPr lang="en-US" dirty="0" smtClean="0"/>
-              <a:t>No </a:t>
-            </a:r>
-            <a:r>
               <a:rPr lang="en-US" dirty="0"/>
-              <a:t>real-time way to measure AI prompt energy cost</a:t>
+              <a:t>No real-time way to measure AI prompt energy cost</a:t>
             </a:r>
           </a:p>
           <a:p>
@@ -6801,11 +6707,11 @@
             </a:r>
           </a:p>
           <a:p>
-            <a:endParaRPr lang="en-US" b="1" u="sng" dirty="0" smtClean="0"/>
-          </a:p>
-          <a:p>
-            <a:r>
-              <a:rPr lang="en-US" b="1" u="sng" dirty="0" smtClean="0">
+            <a:endParaRPr lang="en-US" b="1" u="sng" dirty="0"/>
+          </a:p>
+          <a:p>
+            <a:r>
+              <a:rPr lang="en-US" b="1" u="sng" dirty="0">
                 <a:solidFill>
                   <a:srgbClr val="C00000"/>
                 </a:solidFill>
@@ -6815,7 +6721,7 @@
           </a:p>
           <a:p>
             <a:r>
-              <a:rPr lang="en-US" dirty="0" smtClean="0"/>
+              <a:rPr lang="en-US" dirty="0"/>
               <a:t>We’re building a prediction engine + recommender system to:</a:t>
             </a:r>
           </a:p>
@@ -6825,12 +6731,8 @@
               <a:buChar char="•"/>
             </a:pPr>
             <a:r>
-              <a:rPr lang="en-US" dirty="0" smtClean="0"/>
-              <a:t>Estimate </a:t>
-            </a:r>
-            <a:r>
               <a:rPr lang="en-US" dirty="0"/>
-              <a:t>energy usage for any prompt</a:t>
+              <a:t>Estimate energy usage for any prompt</a:t>
             </a:r>
           </a:p>
           <a:p>
@@ -6839,12 +6741,8 @@
               <a:buChar char="•"/>
             </a:pPr>
             <a:r>
-              <a:rPr lang="en-US" dirty="0" smtClean="0"/>
-              <a:t>Flag </a:t>
-            </a:r>
-            <a:r>
               <a:rPr lang="en-US" dirty="0"/>
-              <a:t>inefficient queries &amp; possible prompt attacks</a:t>
+              <a:t>Flag inefficient queries &amp; possible prompt attacks</a:t>
             </a:r>
           </a:p>
           <a:p>
@@ -6853,12 +6751,8 @@
               <a:buChar char="•"/>
             </a:pPr>
             <a:r>
-              <a:rPr lang="en-US" dirty="0" smtClean="0"/>
-              <a:t>Suggest </a:t>
-            </a:r>
-            <a:r>
               <a:rPr lang="en-US" dirty="0"/>
-              <a:t>greener alternatives with minimal accuracy loss</a:t>
+              <a:t>Suggest greener alternatives with minimal accuracy loss</a:t>
             </a:r>
           </a:p>
         </p:txBody>
@@ -6893,87 +6787,6 @@
           <a:chExt cx="0" cy="0"/>
         </a:xfrm>
       </p:grpSpPr>
-      <p:sp>
-        <p:nvSpPr>
-          <p:cNvPr id="3" name="TextBox 2"/>
-          <p:cNvSpPr txBox="1"/>
-          <p:nvPr/>
-        </p:nvSpPr>
-        <p:spPr>
-          <a:xfrm rot="19076316">
-            <a:off x="267419" y="2993365"/>
-            <a:ext cx="4649638" cy="584775"/>
-          </a:xfrm>
-          <a:prstGeom prst="rect">
-            <a:avLst/>
-          </a:prstGeom>
-          <a:noFill/>
-        </p:spPr>
-        <p:txBody>
-          <a:bodyPr wrap="square" rtlCol="0">
-            <a:spAutoFit/>
-            <a:scene3d>
-              <a:camera prst="perspectiveContrastingRightFacing"/>
-              <a:lightRig rig="threePt" dir="t"/>
-            </a:scene3d>
-            <a:sp3d extrusionH="57150">
-              <a:bevelT h="25400" prst="softRound"/>
-            </a:sp3d>
-          </a:bodyPr>
-          <a:lstStyle/>
-          <a:p>
-            <a:pPr algn="ctr"/>
-            <a:r>
-              <a:rPr lang="en-US" sz="3200" b="1" dirty="0" smtClean="0">
-                <a:effectLst>
-                  <a:glow rad="228600">
-                    <a:schemeClr val="accent5">
-                      <a:satMod val="175000"/>
-                      <a:alpha val="40000"/>
-                    </a:schemeClr>
-                  </a:glow>
-                </a:effectLst>
-              </a:rPr>
-              <a:t>Architecture </a:t>
-            </a:r>
-            <a:r>
-              <a:rPr lang="en-US" sz="3200" b="1" dirty="0" smtClean="0">
-                <a:effectLst>
-                  <a:glow rad="228600">
-                    <a:schemeClr val="accent5">
-                      <a:satMod val="175000"/>
-                      <a:alpha val="40000"/>
-                    </a:schemeClr>
-                  </a:glow>
-                  <a:innerShdw blurRad="63500" dist="50800" dir="13500000">
-                    <a:schemeClr val="accent4">
-                      <a:lumMod val="75000"/>
-                      <a:alpha val="50000"/>
-                    </a:schemeClr>
-                  </a:innerShdw>
-                </a:effectLst>
-              </a:rPr>
-              <a:t>Diagram</a:t>
-            </a:r>
-            <a:endParaRPr lang="en-US" sz="3200" b="1" dirty="0">
-              <a:effectLst>
-                <a:glow rad="228600">
-                  <a:schemeClr val="accent5">
-                    <a:satMod val="175000"/>
-                    <a:alpha val="40000"/>
-                  </a:schemeClr>
-                </a:glow>
-                <a:innerShdw blurRad="63500" dist="50800" dir="13500000">
-                  <a:schemeClr val="accent4">
-                    <a:lumMod val="75000"/>
-                    <a:alpha val="50000"/>
-                  </a:schemeClr>
-                </a:innerShdw>
-              </a:effectLst>
-            </a:endParaRPr>
-          </a:p>
-        </p:txBody>
-      </p:sp>
       <p:pic>
         <p:nvPicPr>
           <p:cNvPr id="5" name="Picture 4"/>
@@ -6995,8 +6808,8 @@
         </p:blipFill>
         <p:spPr>
           <a:xfrm>
-            <a:off x="5055080" y="345055"/>
-            <a:ext cx="6858000" cy="6090249"/>
+            <a:off x="0" y="1"/>
+            <a:ext cx="12192000" cy="6858000"/>
           </a:xfrm>
           <a:prstGeom prst="rect">
             <a:avLst/>
@@ -7013,13 +6826,6 @@
   <p:clrMapOvr>
     <a:masterClrMapping/>
   </p:clrMapOvr>
-  <p:timing>
-    <p:tnLst>
-      <p:par>
-        <p:cTn id="1" dur="indefinite" restart="never" nodeType="tmRoot"/>
-      </p:par>
-    </p:tnLst>
-  </p:timing>
 </p:sld>
 </file>
 
@@ -7055,8 +6861,8 @@
         </p:blipFill>
         <p:spPr>
           <a:xfrm>
-            <a:off x="336972" y="266699"/>
-            <a:ext cx="11321628" cy="5836921"/>
+            <a:off x="0" y="0"/>
+            <a:ext cx="12192000" cy="6858000"/>
           </a:xfrm>
           <a:prstGeom prst="rect">
             <a:avLst/>
@@ -7101,7 +6907,7 @@
         </p:nvSpPr>
         <p:spPr>
           <a:xfrm>
-            <a:off x="2088603" y="439757"/>
+            <a:off x="1963298" y="0"/>
             <a:ext cx="8265404" cy="584775"/>
           </a:xfrm>
           <a:prstGeom prst="rect">
@@ -7116,16 +6922,12 @@
           <a:lstStyle/>
           <a:p>
             <a:r>
-              <a:rPr lang="en-US" sz="3200" b="1" dirty="0" smtClean="0">
+              <a:rPr lang="en-US" sz="3200" b="1" dirty="0">
                 <a:latin typeface="Arial" panose="020B0604020202020204" pitchFamily="34" charset="0"/>
                 <a:cs typeface="Arial" panose="020B0604020202020204" pitchFamily="34" charset="0"/>
               </a:rPr>
               <a:t>Result for predicted energy Consumption</a:t>
             </a:r>
-            <a:endParaRPr lang="en-US" sz="3200" b="1" dirty="0">
-              <a:latin typeface="Arial" panose="020B0604020202020204" pitchFamily="34" charset="0"/>
-              <a:cs typeface="Arial" panose="020B0604020202020204" pitchFamily="34" charset="0"/>
-            </a:endParaRPr>
           </a:p>
         </p:txBody>
       </p:sp>
@@ -7144,8 +6946,8 @@
         </p:blipFill>
         <p:spPr>
           <a:xfrm>
-            <a:off x="1321645" y="1024532"/>
-            <a:ext cx="9799320" cy="5147668"/>
+            <a:off x="0" y="584775"/>
+            <a:ext cx="12192000" cy="6273225"/>
           </a:xfrm>
           <a:prstGeom prst="rect">
             <a:avLst/>
@@ -7190,7 +6992,7 @@
         </p:nvSpPr>
         <p:spPr>
           <a:xfrm>
-            <a:off x="840369" y="485478"/>
+            <a:off x="938178" y="0"/>
             <a:ext cx="10315644" cy="584775"/>
           </a:xfrm>
           <a:prstGeom prst="rect">
@@ -7205,16 +7007,12 @@
           <a:lstStyle/>
           <a:p>
             <a:r>
-              <a:rPr lang="en-US" sz="3200" b="1" dirty="0" smtClean="0">
+              <a:rPr lang="en-US" sz="3200" b="1" dirty="0">
                 <a:latin typeface="Arial" panose="020B0604020202020204" pitchFamily="34" charset="0"/>
                 <a:cs typeface="Arial" panose="020B0604020202020204" pitchFamily="34" charset="0"/>
               </a:rPr>
               <a:t>Result after Improve predicted energy Consumption</a:t>
             </a:r>
-            <a:endParaRPr lang="en-US" sz="3200" b="1" dirty="0">
-              <a:latin typeface="Arial" panose="020B0604020202020204" pitchFamily="34" charset="0"/>
-              <a:cs typeface="Arial" panose="020B0604020202020204" pitchFamily="34" charset="0"/>
-            </a:endParaRPr>
           </a:p>
         </p:txBody>
       </p:sp>
@@ -7233,8 +7031,8 @@
         </p:blipFill>
         <p:spPr>
           <a:xfrm>
-            <a:off x="620835" y="1070253"/>
-            <a:ext cx="10754712" cy="5648581"/>
+            <a:off x="0" y="584775"/>
+            <a:ext cx="12192000" cy="6273225"/>
           </a:xfrm>
           <a:prstGeom prst="rect">
             <a:avLst/>
@@ -7294,10 +7092,9 @@
           <a:lstStyle/>
           <a:p>
             <a:r>
-              <a:rPr lang="en-US" sz="8000" dirty="0" smtClean="0"/>
+              <a:rPr lang="en-US" sz="8000" dirty="0"/>
               <a:t>Any Suggestions?</a:t>
             </a:r>
-            <a:endParaRPr lang="en-US" sz="8000" dirty="0"/>
           </a:p>
         </p:txBody>
       </p:sp>
